--- a/trunk/proj21/db/UserTemplate.pptx
+++ b/trunk/proj21/db/UserTemplate.pptx
@@ -9,7 +9,8 @@
     <p:sldId id="258" r:id="rId3"/>
     <p:sldId id="261" r:id="rId4"/>
     <p:sldId id="259" r:id="rId5"/>
-    <p:sldId id="263" r:id="rId6"/>
+    <p:sldId id="264" r:id="rId6"/>
+    <p:sldId id="263" r:id="rId7"/>
   </p:sldIdLst>
   <p:sldSz cx="9144000" cy="6858000" type="screen4x3"/>
   <p:notesSz cx="6858000" cy="9144000"/>
@@ -3279,22 +3280,7 @@
                 <a:latin typeface="Microsoft Sans Serif"/>
                 <a:cs typeface="Microsoft Sans Serif"/>
               </a:rPr>
-              <a:t>Default = </a:t>
-            </a:r>
-            <a:r>
-              <a:rPr lang="en-US" sz="1400" dirty="0" smtClean="0">
-                <a:ln>
-                  <a:solidFill>
-                    <a:srgbClr val="000000"/>
-                  </a:solidFill>
-                </a:ln>
-                <a:solidFill>
-                  <a:srgbClr val="000000"/>
-                </a:solidFill>
-                <a:latin typeface="Microsoft Sans Serif"/>
-                <a:cs typeface="Microsoft Sans Serif"/>
-              </a:rPr>
-              <a:t>Guest</a:t>
+              <a:t>Default = Guest</a:t>
             </a:r>
             <a:endParaRPr lang="th-TH" sz="1400" dirty="0" smtClean="0">
               <a:ln>
@@ -3359,18 +3345,6 @@
               </a:rPr>
               <a:t>in</a:t>
             </a:r>
-            <a:endParaRPr lang="en-US" sz="1400" dirty="0" smtClean="0">
-              <a:ln>
-                <a:solidFill>
-                  <a:srgbClr val="000000"/>
-                </a:solidFill>
-              </a:ln>
-              <a:solidFill>
-                <a:srgbClr val="000000"/>
-              </a:solidFill>
-              <a:latin typeface="Microsoft Sans Serif"/>
-              <a:cs typeface="Microsoft Sans Serif"/>
-            </a:endParaRPr>
           </a:p>
           <a:p>
             <a:pPr marL="285750" indent="-285750">
@@ -3474,22 +3448,7 @@
                 <a:latin typeface="Microsoft Sans Serif"/>
                 <a:cs typeface="Microsoft Sans Serif"/>
               </a:rPr>
-              <a:t>แถบเมนูด้าน</a:t>
-            </a:r>
-            <a:r>
-              <a:rPr lang="th-TH" dirty="0" smtClean="0">
-                <a:ln>
-                  <a:solidFill>
-                    <a:srgbClr val="000000"/>
-                  </a:solidFill>
-                </a:ln>
-                <a:solidFill>
-                  <a:srgbClr val="000000"/>
-                </a:solidFill>
-                <a:latin typeface="Microsoft Sans Serif"/>
-                <a:cs typeface="Microsoft Sans Serif"/>
-              </a:rPr>
-              <a:t>ซ้าย</a:t>
+              <a:t>แถบเมนูด้านซ้าย</a:t>
             </a:r>
             <a:endParaRPr lang="en-US" sz="1400" dirty="0" smtClean="0">
               <a:ln>
@@ -5247,6 +5206,451 @@
 </file>
 
 <file path=ppt/slides/slide5.xml><?xml version="1.0" encoding="utf-8"?>
+<p:sld xmlns:a="http://schemas.openxmlformats.org/drawingml/2006/main" xmlns:r="http://schemas.openxmlformats.org/officeDocument/2006/relationships" xmlns:p="http://schemas.openxmlformats.org/presentationml/2006/main">
+  <p:cSld>
+    <p:spTree>
+      <p:nvGrpSpPr>
+        <p:cNvPr id="1" name=""/>
+        <p:cNvGrpSpPr/>
+        <p:nvPr/>
+      </p:nvGrpSpPr>
+      <p:grpSpPr>
+        <a:xfrm>
+          <a:off x="0" y="0"/>
+          <a:ext cx="0" cy="0"/>
+          <a:chOff x="0" y="0"/>
+          <a:chExt cx="0" cy="0"/>
+        </a:xfrm>
+      </p:grpSpPr>
+      <p:sp>
+        <p:nvSpPr>
+          <p:cNvPr id="4" name="Rectangle 3"/>
+          <p:cNvSpPr/>
+          <p:nvPr/>
+        </p:nvSpPr>
+        <p:spPr>
+          <a:xfrm>
+            <a:off x="3146593" y="510971"/>
+            <a:ext cx="2249228" cy="784061"/>
+          </a:xfrm>
+          <a:prstGeom prst="rect">
+            <a:avLst/>
+          </a:prstGeom>
+          <a:noFill/>
+          <a:ln>
+            <a:solidFill>
+              <a:schemeClr val="tx1"/>
+            </a:solidFill>
+          </a:ln>
+        </p:spPr>
+        <p:style>
+          <a:lnRef idx="1">
+            <a:schemeClr val="accent1"/>
+          </a:lnRef>
+          <a:fillRef idx="3">
+            <a:schemeClr val="accent1"/>
+          </a:fillRef>
+          <a:effectRef idx="2">
+            <a:schemeClr val="accent1"/>
+          </a:effectRef>
+          <a:fontRef idx="minor">
+            <a:schemeClr val="lt1"/>
+          </a:fontRef>
+        </p:style>
+        <p:txBody>
+          <a:bodyPr rtlCol="0" anchor="ctr"/>
+          <a:lstStyle/>
+          <a:p>
+            <a:r>
+              <a:rPr lang="th-TH" dirty="0" smtClean="0">
+                <a:ln>
+                  <a:solidFill>
+                    <a:srgbClr val="000000"/>
+                  </a:solidFill>
+                </a:ln>
+                <a:solidFill>
+                  <a:srgbClr val="000000"/>
+                </a:solidFill>
+              </a:rPr>
+              <a:t>หน้า</a:t>
+            </a:r>
+            <a:r>
+              <a:rPr lang="en-US" dirty="0" smtClean="0">
+                <a:ln>
+                  <a:solidFill>
+                    <a:srgbClr val="000000"/>
+                  </a:solidFill>
+                </a:ln>
+                <a:solidFill>
+                  <a:srgbClr val="000000"/>
+                </a:solidFill>
+              </a:rPr>
+              <a:t> course register</a:t>
+            </a:r>
+            <a:endParaRPr lang="en-US" dirty="0">
+              <a:ln>
+                <a:solidFill>
+                  <a:srgbClr val="000000"/>
+                </a:solidFill>
+              </a:ln>
+              <a:solidFill>
+                <a:srgbClr val="000000"/>
+              </a:solidFill>
+            </a:endParaRPr>
+          </a:p>
+        </p:txBody>
+      </p:sp>
+      <p:sp>
+        <p:nvSpPr>
+          <p:cNvPr id="5" name="Rectangle 4"/>
+          <p:cNvSpPr/>
+          <p:nvPr/>
+        </p:nvSpPr>
+        <p:spPr>
+          <a:xfrm>
+            <a:off x="446377" y="1777064"/>
+            <a:ext cx="2700215" cy="784061"/>
+          </a:xfrm>
+          <a:prstGeom prst="rect">
+            <a:avLst/>
+          </a:prstGeom>
+          <a:noFill/>
+          <a:ln>
+            <a:solidFill>
+              <a:schemeClr val="tx1"/>
+            </a:solidFill>
+          </a:ln>
+          <a:effectLst/>
+        </p:spPr>
+        <p:style>
+          <a:lnRef idx="1">
+            <a:schemeClr val="accent1"/>
+          </a:lnRef>
+          <a:fillRef idx="3">
+            <a:schemeClr val="accent1"/>
+          </a:fillRef>
+          <a:effectRef idx="2">
+            <a:schemeClr val="accent1"/>
+          </a:effectRef>
+          <a:fontRef idx="minor">
+            <a:schemeClr val="lt1"/>
+          </a:fontRef>
+        </p:style>
+        <p:txBody>
+          <a:bodyPr rtlCol="0" anchor="ctr"/>
+          <a:lstStyle/>
+          <a:p>
+            <a:r>
+              <a:rPr lang="th-TH" dirty="0" smtClean="0">
+                <a:ln>
+                  <a:solidFill>
+                    <a:srgbClr val="000000"/>
+                  </a:solidFill>
+                </a:ln>
+                <a:solidFill>
+                  <a:srgbClr val="000000"/>
+                </a:solidFill>
+              </a:rPr>
+              <a:t>เลือกตามวิชาที่เปิดสอน</a:t>
+            </a:r>
+            <a:endParaRPr lang="en-US" dirty="0">
+              <a:ln>
+                <a:solidFill>
+                  <a:srgbClr val="000000"/>
+                </a:solidFill>
+              </a:ln>
+              <a:solidFill>
+                <a:srgbClr val="000000"/>
+              </a:solidFill>
+            </a:endParaRPr>
+          </a:p>
+        </p:txBody>
+      </p:sp>
+      <p:sp>
+        <p:nvSpPr>
+          <p:cNvPr id="6" name="Rectangle 5"/>
+          <p:cNvSpPr/>
+          <p:nvPr/>
+        </p:nvSpPr>
+        <p:spPr>
+          <a:xfrm>
+            <a:off x="446377" y="2906387"/>
+            <a:ext cx="2700215" cy="784061"/>
+          </a:xfrm>
+          <a:prstGeom prst="rect">
+            <a:avLst/>
+          </a:prstGeom>
+          <a:noFill/>
+          <a:ln>
+            <a:solidFill>
+              <a:schemeClr val="tx1"/>
+            </a:solidFill>
+          </a:ln>
+          <a:effectLst/>
+        </p:spPr>
+        <p:style>
+          <a:lnRef idx="1">
+            <a:schemeClr val="accent1"/>
+          </a:lnRef>
+          <a:fillRef idx="3">
+            <a:schemeClr val="accent1"/>
+          </a:fillRef>
+          <a:effectRef idx="2">
+            <a:schemeClr val="accent1"/>
+          </a:effectRef>
+          <a:fontRef idx="minor">
+            <a:schemeClr val="lt1"/>
+          </a:fontRef>
+        </p:style>
+        <p:txBody>
+          <a:bodyPr rtlCol="0" anchor="ctr"/>
+          <a:lstStyle/>
+          <a:p>
+            <a:r>
+              <a:rPr lang="th-TH" dirty="0" smtClean="0">
+                <a:ln>
+                  <a:solidFill>
+                    <a:srgbClr val="000000"/>
+                  </a:solidFill>
+                </a:ln>
+                <a:solidFill>
+                  <a:srgbClr val="000000"/>
+                </a:solidFill>
+              </a:rPr>
+              <a:t>เลือกตามสาขาวิชาที่คณะเปิดรับ</a:t>
+            </a:r>
+            <a:endParaRPr lang="en-US" dirty="0">
+              <a:ln>
+                <a:solidFill>
+                  <a:srgbClr val="000000"/>
+                </a:solidFill>
+              </a:ln>
+              <a:solidFill>
+                <a:srgbClr val="000000"/>
+              </a:solidFill>
+            </a:endParaRPr>
+          </a:p>
+        </p:txBody>
+      </p:sp>
+      <p:sp>
+        <p:nvSpPr>
+          <p:cNvPr id="8" name="Magnetic Disk 7"/>
+          <p:cNvSpPr/>
+          <p:nvPr/>
+        </p:nvSpPr>
+        <p:spPr>
+          <a:xfrm>
+            <a:off x="3298131" y="4474308"/>
+            <a:ext cx="1797539" cy="1934308"/>
+          </a:xfrm>
+          <a:prstGeom prst="flowChartMagneticDisk">
+            <a:avLst/>
+          </a:prstGeom>
+          <a:noFill/>
+        </p:spPr>
+        <p:style>
+          <a:lnRef idx="1">
+            <a:schemeClr val="accent1"/>
+          </a:lnRef>
+          <a:fillRef idx="3">
+            <a:schemeClr val="accent1"/>
+          </a:fillRef>
+          <a:effectRef idx="2">
+            <a:schemeClr val="accent1"/>
+          </a:effectRef>
+          <a:fontRef idx="minor">
+            <a:schemeClr val="lt1"/>
+          </a:fontRef>
+        </p:style>
+        <p:txBody>
+          <a:bodyPr rtlCol="0" anchor="ctr"/>
+          <a:lstStyle/>
+          <a:p>
+            <a:pPr algn="ctr"/>
+            <a:endParaRPr lang="en-US"/>
+          </a:p>
+        </p:txBody>
+      </p:sp>
+      <p:cxnSp>
+        <p:nvCxnSpPr>
+          <p:cNvPr id="10" name="Straight Arrow Connector 9"/>
+          <p:cNvCxnSpPr>
+            <a:stCxn id="6" idx="3"/>
+          </p:cNvCxnSpPr>
+          <p:nvPr/>
+        </p:nvCxnSpPr>
+        <p:spPr>
+          <a:xfrm>
+            <a:off x="3146592" y="3298418"/>
+            <a:ext cx="839253" cy="1175890"/>
+          </a:xfrm>
+          <a:prstGeom prst="straightConnector1">
+            <a:avLst/>
+          </a:prstGeom>
+          <a:ln>
+            <a:tailEnd type="arrow"/>
+          </a:ln>
+        </p:spPr>
+        <p:style>
+          <a:lnRef idx="2">
+            <a:schemeClr val="accent1"/>
+          </a:lnRef>
+          <a:fillRef idx="0">
+            <a:schemeClr val="accent1"/>
+          </a:fillRef>
+          <a:effectRef idx="1">
+            <a:schemeClr val="accent1"/>
+          </a:effectRef>
+          <a:fontRef idx="minor">
+            <a:schemeClr val="tx1"/>
+          </a:fontRef>
+        </p:style>
+      </p:cxnSp>
+      <p:sp>
+        <p:nvSpPr>
+          <p:cNvPr id="11" name="Rectangle 10"/>
+          <p:cNvSpPr/>
+          <p:nvPr/>
+        </p:nvSpPr>
+        <p:spPr>
+          <a:xfrm>
+            <a:off x="3534156" y="3255244"/>
+            <a:ext cx="2249228" cy="784061"/>
+          </a:xfrm>
+          <a:prstGeom prst="rect">
+            <a:avLst/>
+          </a:prstGeom>
+          <a:noFill/>
+          <a:ln>
+            <a:noFill/>
+          </a:ln>
+          <a:effectLst/>
+        </p:spPr>
+        <p:style>
+          <a:lnRef idx="1">
+            <a:schemeClr val="accent1"/>
+          </a:lnRef>
+          <a:fillRef idx="3">
+            <a:schemeClr val="accent1"/>
+          </a:fillRef>
+          <a:effectRef idx="2">
+            <a:schemeClr val="accent1"/>
+          </a:effectRef>
+          <a:fontRef idx="minor">
+            <a:schemeClr val="lt1"/>
+          </a:fontRef>
+        </p:style>
+        <p:txBody>
+          <a:bodyPr rtlCol="0" anchor="ctr"/>
+          <a:lstStyle/>
+          <a:p>
+            <a:r>
+              <a:rPr lang="th-TH" dirty="0" smtClean="0">
+                <a:ln>
+                  <a:solidFill>
+                    <a:schemeClr val="tx1"/>
+                  </a:solidFill>
+                </a:ln>
+                <a:noFill/>
+              </a:rPr>
+              <a:t>โดยไปดึงดาต้ามาจาก </a:t>
+            </a:r>
+            <a:r>
+              <a:rPr lang="en-US" dirty="0" smtClean="0">
+                <a:ln>
+                  <a:solidFill>
+                    <a:schemeClr val="tx1"/>
+                  </a:solidFill>
+                </a:ln>
+                <a:noFill/>
+              </a:rPr>
+              <a:t>CBS</a:t>
+            </a:r>
+            <a:endParaRPr lang="en-US" dirty="0">
+              <a:ln>
+                <a:solidFill>
+                  <a:schemeClr val="tx1"/>
+                </a:solidFill>
+              </a:ln>
+              <a:noFill/>
+            </a:endParaRPr>
+          </a:p>
+        </p:txBody>
+      </p:sp>
+      <p:sp>
+        <p:nvSpPr>
+          <p:cNvPr id="12" name="TextBox 11"/>
+          <p:cNvSpPr txBox="1"/>
+          <p:nvPr/>
+        </p:nvSpPr>
+        <p:spPr>
+          <a:xfrm>
+            <a:off x="4105296" y="3716139"/>
+            <a:ext cx="5038704" cy="923330"/>
+          </a:xfrm>
+          <a:prstGeom prst="rect">
+            <a:avLst/>
+          </a:prstGeom>
+          <a:noFill/>
+        </p:spPr>
+        <p:txBody>
+          <a:bodyPr wrap="none" rtlCol="0">
+            <a:spAutoFit/>
+          </a:bodyPr>
+          <a:lstStyle/>
+          <a:p>
+            <a:r>
+              <a:rPr lang="th-TH" dirty="0" smtClean="0"/>
+              <a:t>เช่น ถ้าเลือกสถิติศาสตร์ มีวิชา </a:t>
+            </a:r>
+            <a:r>
+              <a:rPr lang="en-US" dirty="0" smtClean="0"/>
+              <a:t>GAT,PAT1,PAT2 </a:t>
+            </a:r>
+            <a:r>
+              <a:rPr lang="th-TH" dirty="0" smtClean="0"/>
+              <a:t>ที่เปิด</a:t>
+            </a:r>
+            <a:endParaRPr lang="th-TH" dirty="0"/>
+          </a:p>
+          <a:p>
+            <a:r>
+              <a:rPr lang="th-TH" dirty="0" smtClean="0"/>
+              <a:t>ถ้าเลือก บริหารหรือบัญชี มัวิชา </a:t>
+            </a:r>
+            <a:r>
+              <a:rPr lang="en-US" dirty="0" smtClean="0"/>
+              <a:t>GAT,PAT1</a:t>
+            </a:r>
+            <a:endParaRPr lang="th-TH" dirty="0" smtClean="0"/>
+          </a:p>
+          <a:p>
+            <a:r>
+              <a:rPr lang="th-TH" dirty="0"/>
+              <a:t> </a:t>
+            </a:r>
+            <a:r>
+              <a:rPr lang="th-TH" dirty="0" smtClean="0"/>
+              <a:t>         </a:t>
+            </a:r>
+            <a:endParaRPr lang="en-US" dirty="0"/>
+          </a:p>
+        </p:txBody>
+      </p:sp>
+    </p:spTree>
+    <p:extLst>
+      <p:ext uri="{BB962C8B-B14F-4D97-AF65-F5344CB8AC3E}">
+        <p14:creationId xmlns:p14="http://schemas.microsoft.com/office/powerpoint/2010/main" val="1311759540"/>
+      </p:ext>
+    </p:extLst>
+  </p:cSld>
+  <p:clrMapOvr>
+    <a:masterClrMapping/>
+  </p:clrMapOvr>
+</p:sld>
+</file>
+
+<file path=ppt/slides/slide6.xml><?xml version="1.0" encoding="utf-8"?>
 <p:sld xmlns:a="http://schemas.openxmlformats.org/drawingml/2006/main" xmlns:r="http://schemas.openxmlformats.org/officeDocument/2006/relationships" xmlns:p="http://schemas.openxmlformats.org/presentationml/2006/main">
   <p:cSld>
     <p:spTree>
